--- a/GitMaterials/3-RemoteRepos.pptx
+++ b/GitMaterials/3-RemoteRepos.pptx
@@ -5,7 +5,7 @@
     <p:sldMasterId id="2147483660" r:id="rId1"/>
   </p:sldMasterIdLst>
   <p:notesMasterIdLst>
-    <p:notesMasterId r:id="rId25"/>
+    <p:notesMasterId r:id="rId27"/>
   </p:notesMasterIdLst>
   <p:sldIdLst>
     <p:sldId id="269" r:id="rId2"/>
@@ -22,15 +22,17 @@
     <p:sldId id="282" r:id="rId13"/>
     <p:sldId id="283" r:id="rId14"/>
     <p:sldId id="284" r:id="rId15"/>
-    <p:sldId id="294" r:id="rId16"/>
-    <p:sldId id="285" r:id="rId17"/>
-    <p:sldId id="286" r:id="rId18"/>
-    <p:sldId id="288" r:id="rId19"/>
-    <p:sldId id="287" r:id="rId20"/>
-    <p:sldId id="289" r:id="rId21"/>
-    <p:sldId id="291" r:id="rId22"/>
-    <p:sldId id="292" r:id="rId23"/>
-    <p:sldId id="293" r:id="rId24"/>
+    <p:sldId id="295" r:id="rId16"/>
+    <p:sldId id="296" r:id="rId17"/>
+    <p:sldId id="294" r:id="rId18"/>
+    <p:sldId id="285" r:id="rId19"/>
+    <p:sldId id="286" r:id="rId20"/>
+    <p:sldId id="288" r:id="rId21"/>
+    <p:sldId id="287" r:id="rId22"/>
+    <p:sldId id="289" r:id="rId23"/>
+    <p:sldId id="291" r:id="rId24"/>
+    <p:sldId id="292" r:id="rId25"/>
+    <p:sldId id="293" r:id="rId26"/>
   </p:sldIdLst>
   <p:sldSz cx="9144000" cy="6858000" type="screen4x3"/>
   <p:notesSz cx="6858000" cy="9144000"/>
@@ -219,7 +221,7 @@
           <a:p>
             <a:fld id="{00AA08EA-A8C6-DA44-B46E-7B5B5AFC2FEE}" type="datetimeFigureOut">
               <a:rPr lang="en-US" smtClean="0"/>
-              <a:t>5/25/2017</a:t>
+              <a:t>5/26/2017</a:t>
             </a:fld>
             <a:endParaRPr lang="en-US"/>
           </a:p>
@@ -618,7 +620,7 @@
           <a:p>
             <a:fld id="{9526C932-9375-4F40-B803-EE9919890A75}" type="datetimeFigureOut">
               <a:rPr lang="en-US" smtClean="0"/>
-              <a:t>5/25/2017</a:t>
+              <a:t>5/26/2017</a:t>
             </a:fld>
             <a:endParaRPr lang="en-US"/>
           </a:p>
@@ -783,7 +785,7 @@
           <a:p>
             <a:fld id="{9526C932-9375-4F40-B803-EE9919890A75}" type="datetimeFigureOut">
               <a:rPr lang="en-US" smtClean="0"/>
-              <a:t>5/25/2017</a:t>
+              <a:t>5/26/2017</a:t>
             </a:fld>
             <a:endParaRPr lang="en-US"/>
           </a:p>
@@ -958,7 +960,7 @@
           <a:p>
             <a:fld id="{9526C932-9375-4F40-B803-EE9919890A75}" type="datetimeFigureOut">
               <a:rPr lang="en-US" smtClean="0"/>
-              <a:t>5/25/2017</a:t>
+              <a:t>5/26/2017</a:t>
             </a:fld>
             <a:endParaRPr lang="en-US"/>
           </a:p>
@@ -1123,7 +1125,7 @@
           <a:p>
             <a:fld id="{9526C932-9375-4F40-B803-EE9919890A75}" type="datetimeFigureOut">
               <a:rPr lang="en-US" smtClean="0"/>
-              <a:t>5/25/2017</a:t>
+              <a:t>5/26/2017</a:t>
             </a:fld>
             <a:endParaRPr lang="en-US"/>
           </a:p>
@@ -1362,7 +1364,7 @@
           <a:p>
             <a:fld id="{9526C932-9375-4F40-B803-EE9919890A75}" type="datetimeFigureOut">
               <a:rPr lang="en-US" smtClean="0"/>
-              <a:t>5/25/2017</a:t>
+              <a:t>5/26/2017</a:t>
             </a:fld>
             <a:endParaRPr lang="en-US"/>
           </a:p>
@@ -1589,7 +1591,7 @@
           <a:p>
             <a:fld id="{9526C932-9375-4F40-B803-EE9919890A75}" type="datetimeFigureOut">
               <a:rPr lang="en-US" smtClean="0"/>
-              <a:t>5/25/2017</a:t>
+              <a:t>5/26/2017</a:t>
             </a:fld>
             <a:endParaRPr lang="en-US"/>
           </a:p>
@@ -1951,7 +1953,7 @@
           <a:p>
             <a:fld id="{9526C932-9375-4F40-B803-EE9919890A75}" type="datetimeFigureOut">
               <a:rPr lang="en-US" smtClean="0"/>
-              <a:t>5/25/2017</a:t>
+              <a:t>5/26/2017</a:t>
             </a:fld>
             <a:endParaRPr lang="en-US"/>
           </a:p>
@@ -2064,7 +2066,7 @@
           <a:p>
             <a:fld id="{9526C932-9375-4F40-B803-EE9919890A75}" type="datetimeFigureOut">
               <a:rPr lang="en-US" smtClean="0"/>
-              <a:t>5/25/2017</a:t>
+              <a:t>5/26/2017</a:t>
             </a:fld>
             <a:endParaRPr lang="en-US"/>
           </a:p>
@@ -2154,7 +2156,7 @@
           <a:p>
             <a:fld id="{9526C932-9375-4F40-B803-EE9919890A75}" type="datetimeFigureOut">
               <a:rPr lang="en-US" smtClean="0"/>
-              <a:t>5/25/2017</a:t>
+              <a:t>5/26/2017</a:t>
             </a:fld>
             <a:endParaRPr lang="en-US"/>
           </a:p>
@@ -2426,7 +2428,7 @@
           <a:p>
             <a:fld id="{9526C932-9375-4F40-B803-EE9919890A75}" type="datetimeFigureOut">
               <a:rPr lang="en-US" smtClean="0"/>
-              <a:t>5/25/2017</a:t>
+              <a:t>5/26/2017</a:t>
             </a:fld>
             <a:endParaRPr lang="en-US"/>
           </a:p>
@@ -2678,7 +2680,7 @@
           <a:p>
             <a:fld id="{9526C932-9375-4F40-B803-EE9919890A75}" type="datetimeFigureOut">
               <a:rPr lang="en-US" smtClean="0"/>
-              <a:t>5/25/2017</a:t>
+              <a:t>5/26/2017</a:t>
             </a:fld>
             <a:endParaRPr lang="en-US"/>
           </a:p>
@@ -2886,7 +2888,7 @@
           <a:p>
             <a:fld id="{9526C932-9375-4F40-B803-EE9919890A75}" type="datetimeFigureOut">
               <a:rPr lang="en-US" smtClean="0"/>
-              <a:t>5/25/2017</a:t>
+              <a:t>5/26/2017</a:t>
             </a:fld>
             <a:endParaRPr lang="en-US"/>
           </a:p>
@@ -3466,6 +3468,13 @@
   <p:clrMapOvr>
     <a:masterClrMapping/>
   </p:clrMapOvr>
+  <p:timing>
+    <p:tnLst>
+      <p:par>
+        <p:cTn id="1" dur="indefinite" restart="never" nodeType="tmRoot"/>
+      </p:par>
+    </p:tnLst>
+  </p:timing>
 </p:sld>
 </file>
 
@@ -3526,16 +3535,17 @@
           <a:p>
             <a:r>
               <a:rPr lang="en-US" dirty="0" smtClean="0"/>
-              <a:t>Local repository does </a:t>
-            </a:r>
-            <a:r>
-              <a:rPr lang="en-US" i="1" dirty="0" smtClean="0"/>
-              <a:t>not </a:t>
-            </a:r>
-            <a:r>
-              <a:rPr lang="en-US" dirty="0" smtClean="0"/>
-              <a:t>have to have same name as remote repository (though having different names is not necessarily good practice)</a:t>
-            </a:r>
+              <a:t>Good practice to name remote </a:t>
+            </a:r>
+            <a:r>
+              <a:rPr lang="en-US" dirty="0" smtClean="0"/>
+              <a:t>repository </a:t>
+            </a:r>
+            <a:r>
+              <a:rPr lang="en-US" dirty="0" smtClean="0"/>
+              <a:t>the same as the local repository</a:t>
+            </a:r>
+            <a:endParaRPr lang="en-US" dirty="0" smtClean="0"/>
           </a:p>
           <a:p>
             <a:endParaRPr lang="en-US" b="1" dirty="0"/>
@@ -3567,6 +3577,13 @@
   <p:clrMapOvr>
     <a:masterClrMapping/>
   </p:clrMapOvr>
+  <p:timing>
+    <p:tnLst>
+      <p:par>
+        <p:cTn id="1" dur="indefinite" restart="never" nodeType="tmRoot"/>
+      </p:par>
+    </p:tnLst>
+  </p:timing>
 </p:sld>
 </file>
 
@@ -3771,6 +3788,13 @@
   <p:clrMapOvr>
     <a:masterClrMapping/>
   </p:clrMapOvr>
+  <p:timing>
+    <p:tnLst>
+      <p:par>
+        <p:cTn id="1" dur="indefinite" restart="never" nodeType="tmRoot"/>
+      </p:par>
+    </p:tnLst>
+  </p:timing>
 </p:sld>
 </file>
 
@@ -3853,6 +3877,13 @@
   <p:clrMapOvr>
     <a:masterClrMapping/>
   </p:clrMapOvr>
+  <p:timing>
+    <p:tnLst>
+      <p:par>
+        <p:cTn id="1" dur="indefinite" restart="never" nodeType="tmRoot"/>
+      </p:par>
+    </p:tnLst>
+  </p:timing>
 </p:sld>
 </file>
 
@@ -3953,10 +3984,537 @@
   <p:clrMapOvr>
     <a:masterClrMapping/>
   </p:clrMapOvr>
+  <p:timing>
+    <p:tnLst>
+      <p:par>
+        <p:cTn id="1" dur="indefinite" restart="never" nodeType="tmRoot"/>
+      </p:par>
+    </p:tnLst>
+  </p:timing>
 </p:sld>
 </file>
 
 <file path=ppt/slides/slide15.xml><?xml version="1.0" encoding="utf-8"?>
+<p:sld xmlns:a="http://schemas.openxmlformats.org/drawingml/2006/main" xmlns:r="http://schemas.openxmlformats.org/officeDocument/2006/relationships" xmlns:p="http://schemas.openxmlformats.org/presentationml/2006/main">
+  <p:cSld>
+    <p:spTree>
+      <p:nvGrpSpPr>
+        <p:cNvPr id="1" name=""/>
+        <p:cNvGrpSpPr/>
+        <p:nvPr/>
+      </p:nvGrpSpPr>
+      <p:grpSpPr>
+        <a:xfrm>
+          <a:off x="0" y="0"/>
+          <a:ext cx="0" cy="0"/>
+          <a:chOff x="0" y="0"/>
+          <a:chExt cx="0" cy="0"/>
+        </a:xfrm>
+      </p:grpSpPr>
+      <p:sp>
+        <p:nvSpPr>
+          <p:cNvPr id="2" name="Title 1"/>
+          <p:cNvSpPr>
+            <a:spLocks noGrp="1"/>
+          </p:cNvSpPr>
+          <p:nvPr>
+            <p:ph type="title"/>
+          </p:nvPr>
+        </p:nvSpPr>
+        <p:spPr/>
+        <p:txBody>
+          <a:bodyPr/>
+          <a:lstStyle/>
+          <a:p>
+            <a:r>
+              <a:rPr lang="en-US" dirty="0" err="1" smtClean="0"/>
+              <a:t>Git</a:t>
+            </a:r>
+            <a:r>
+              <a:rPr lang="en-US" dirty="0" smtClean="0"/>
+              <a:t> &amp; GitHub: Overview</a:t>
+            </a:r>
+            <a:endParaRPr lang="en-US" dirty="0"/>
+          </a:p>
+        </p:txBody>
+      </p:sp>
+      <p:sp>
+        <p:nvSpPr>
+          <p:cNvPr id="3" name="Content Placeholder 2"/>
+          <p:cNvSpPr>
+            <a:spLocks noGrp="1"/>
+          </p:cNvSpPr>
+          <p:nvPr>
+            <p:ph idx="1"/>
+          </p:nvPr>
+        </p:nvSpPr>
+        <p:spPr>
+          <a:xfrm>
+            <a:off x="628650" y="1440873"/>
+            <a:ext cx="7886700" cy="4736090"/>
+          </a:xfrm>
+        </p:spPr>
+        <p:txBody>
+          <a:bodyPr>
+            <a:normAutofit fontScale="77500" lnSpcReduction="20000"/>
+          </a:bodyPr>
+          <a:lstStyle/>
+          <a:p>
+            <a:pPr marL="0" indent="0">
+              <a:buNone/>
+            </a:pPr>
+            <a:r>
+              <a:rPr lang="en-US" dirty="0" smtClean="0"/>
+              <a:t>Assuming initialized, local </a:t>
+            </a:r>
+            <a:r>
+              <a:rPr lang="en-US" dirty="0" err="1" smtClean="0"/>
+              <a:t>git</a:t>
+            </a:r>
+            <a:r>
+              <a:rPr lang="en-US" dirty="0" smtClean="0"/>
+              <a:t> repository:</a:t>
+            </a:r>
+          </a:p>
+          <a:p>
+            <a:pPr marL="0" indent="0">
+              <a:buNone/>
+            </a:pPr>
+            <a:endParaRPr lang="en-US" dirty="0"/>
+          </a:p>
+          <a:p>
+            <a:pPr marL="0" indent="0">
+              <a:buNone/>
+            </a:pPr>
+            <a:r>
+              <a:rPr lang="en-US" dirty="0" smtClean="0"/>
+              <a:t>$ </a:t>
+            </a:r>
+            <a:r>
+              <a:rPr lang="en-US" dirty="0" err="1" smtClean="0"/>
+              <a:t>git</a:t>
+            </a:r>
+            <a:r>
+              <a:rPr lang="en-US" dirty="0" smtClean="0"/>
+              <a:t> add -A </a:t>
+            </a:r>
+          </a:p>
+          <a:p>
+            <a:pPr marL="0" indent="0">
+              <a:buNone/>
+            </a:pPr>
+            <a:r>
+              <a:rPr lang="en-US" dirty="0" smtClean="0"/>
+              <a:t>$ </a:t>
+            </a:r>
+            <a:r>
+              <a:rPr lang="en-US" dirty="0" err="1" smtClean="0"/>
+              <a:t>git</a:t>
+            </a:r>
+            <a:r>
+              <a:rPr lang="en-US" dirty="0" smtClean="0"/>
+              <a:t> commit -m “</a:t>
+            </a:r>
+            <a:r>
+              <a:rPr lang="en-US" i="1" dirty="0" smtClean="0"/>
+              <a:t>what you changed”</a:t>
+            </a:r>
+          </a:p>
+          <a:p>
+            <a:pPr marL="0" indent="0">
+              <a:buNone/>
+            </a:pPr>
+            <a:r>
+              <a:rPr lang="en-US" dirty="0" smtClean="0"/>
+              <a:t>$ </a:t>
+            </a:r>
+            <a:r>
+              <a:rPr lang="en-US" dirty="0" err="1" smtClean="0"/>
+              <a:t>git</a:t>
+            </a:r>
+            <a:r>
+              <a:rPr lang="en-US" dirty="0" smtClean="0"/>
+              <a:t> push origin master</a:t>
+            </a:r>
+          </a:p>
+          <a:p>
+            <a:pPr marL="0" indent="0">
+              <a:buNone/>
+            </a:pPr>
+            <a:endParaRPr lang="en-US" dirty="0"/>
+          </a:p>
+          <a:p>
+            <a:pPr marL="0" indent="0">
+              <a:buNone/>
+            </a:pPr>
+            <a:r>
+              <a:rPr lang="en-US" b="1" dirty="0" smtClean="0"/>
+              <a:t>If you changed something on GitHub…</a:t>
+            </a:r>
+          </a:p>
+          <a:p>
+            <a:pPr marL="0" indent="0">
+              <a:buNone/>
+            </a:pPr>
+            <a:endParaRPr lang="en-US" b="1" dirty="0"/>
+          </a:p>
+          <a:p>
+            <a:pPr marL="0" indent="0">
+              <a:buNone/>
+            </a:pPr>
+            <a:r>
+              <a:rPr lang="en-US" dirty="0" smtClean="0"/>
+              <a:t>$ </a:t>
+            </a:r>
+            <a:r>
+              <a:rPr lang="en-US" dirty="0" err="1" smtClean="0"/>
+              <a:t>git</a:t>
+            </a:r>
+            <a:r>
+              <a:rPr lang="en-US" dirty="0" smtClean="0"/>
+              <a:t> pull origin master </a:t>
+            </a:r>
+          </a:p>
+          <a:p>
+            <a:pPr marL="0" indent="0">
+              <a:buNone/>
+            </a:pPr>
+            <a:endParaRPr lang="en-US" dirty="0" smtClean="0"/>
+          </a:p>
+          <a:p>
+            <a:pPr marL="0" indent="0">
+              <a:buNone/>
+            </a:pPr>
+            <a:r>
+              <a:rPr lang="en-US" dirty="0" smtClean="0"/>
+              <a:t>…this ‘syncs’ your local repository with the remote.</a:t>
+            </a:r>
+          </a:p>
+          <a:p>
+            <a:pPr marL="0" indent="0">
+              <a:buNone/>
+            </a:pPr>
+            <a:endParaRPr lang="en-US" dirty="0"/>
+          </a:p>
+          <a:p>
+            <a:pPr marL="0" indent="0">
+              <a:buNone/>
+            </a:pPr>
+            <a:r>
+              <a:rPr lang="en-US" dirty="0" smtClean="0"/>
+              <a:t>These few commands </a:t>
+            </a:r>
+            <a:r>
+              <a:rPr lang="en-US" dirty="0"/>
+              <a:t>get you </a:t>
+            </a:r>
+            <a:r>
+              <a:rPr lang="en-US" dirty="0" smtClean="0"/>
+              <a:t>very far</a:t>
+            </a:r>
+            <a:r>
+              <a:rPr lang="en-US" dirty="0"/>
+              <a:t>!!</a:t>
+            </a:r>
+          </a:p>
+          <a:p>
+            <a:pPr marL="0" indent="0">
+              <a:buNone/>
+            </a:pPr>
+            <a:endParaRPr lang="en-US" dirty="0"/>
+          </a:p>
+        </p:txBody>
+      </p:sp>
+      <p:sp>
+        <p:nvSpPr>
+          <p:cNvPr id="4" name="TextBox 3"/>
+          <p:cNvSpPr txBox="1"/>
+          <p:nvPr/>
+        </p:nvSpPr>
+        <p:spPr>
+          <a:xfrm>
+            <a:off x="6239164" y="2073770"/>
+            <a:ext cx="1514902" cy="369332"/>
+          </a:xfrm>
+          <a:prstGeom prst="rect">
+            <a:avLst/>
+          </a:prstGeom>
+          <a:noFill/>
+        </p:spPr>
+        <p:txBody>
+          <a:bodyPr wrap="none" rtlCol="0">
+            <a:spAutoFit/>
+          </a:bodyPr>
+          <a:lstStyle/>
+          <a:p>
+            <a:r>
+              <a:rPr lang="en-US" dirty="0" smtClean="0">
+                <a:solidFill>
+                  <a:srgbClr val="FF0000"/>
+                </a:solidFill>
+              </a:rPr>
+              <a:t>Stage changes</a:t>
+            </a:r>
+            <a:endParaRPr lang="en-US" dirty="0">
+              <a:solidFill>
+                <a:srgbClr val="FF0000"/>
+              </a:solidFill>
+            </a:endParaRPr>
+          </a:p>
+        </p:txBody>
+      </p:sp>
+      <p:sp>
+        <p:nvSpPr>
+          <p:cNvPr id="5" name="TextBox 4"/>
+          <p:cNvSpPr txBox="1"/>
+          <p:nvPr/>
+        </p:nvSpPr>
+        <p:spPr>
+          <a:xfrm>
+            <a:off x="6239164" y="2470934"/>
+            <a:ext cx="1745671" cy="369332"/>
+          </a:xfrm>
+          <a:prstGeom prst="rect">
+            <a:avLst/>
+          </a:prstGeom>
+          <a:noFill/>
+        </p:spPr>
+        <p:txBody>
+          <a:bodyPr wrap="none" rtlCol="0">
+            <a:spAutoFit/>
+          </a:bodyPr>
+          <a:lstStyle/>
+          <a:p>
+            <a:r>
+              <a:rPr lang="en-US" dirty="0" smtClean="0">
+                <a:solidFill>
+                  <a:srgbClr val="FF0000"/>
+                </a:solidFill>
+              </a:rPr>
+              <a:t>Commit changes</a:t>
+            </a:r>
+            <a:endParaRPr lang="en-US" dirty="0">
+              <a:solidFill>
+                <a:srgbClr val="FF0000"/>
+              </a:solidFill>
+            </a:endParaRPr>
+          </a:p>
+        </p:txBody>
+      </p:sp>
+      <p:sp>
+        <p:nvSpPr>
+          <p:cNvPr id="6" name="TextBox 5"/>
+          <p:cNvSpPr txBox="1"/>
+          <p:nvPr/>
+        </p:nvSpPr>
+        <p:spPr>
+          <a:xfrm>
+            <a:off x="6239164" y="2863234"/>
+            <a:ext cx="1627625" cy="369332"/>
+          </a:xfrm>
+          <a:prstGeom prst="rect">
+            <a:avLst/>
+          </a:prstGeom>
+          <a:noFill/>
+        </p:spPr>
+        <p:txBody>
+          <a:bodyPr wrap="none" rtlCol="0">
+            <a:spAutoFit/>
+          </a:bodyPr>
+          <a:lstStyle/>
+          <a:p>
+            <a:r>
+              <a:rPr lang="en-US" dirty="0" smtClean="0">
+                <a:solidFill>
+                  <a:srgbClr val="FF0000"/>
+                </a:solidFill>
+              </a:rPr>
+              <a:t>Push to remote</a:t>
+            </a:r>
+            <a:endParaRPr lang="en-US" dirty="0">
+              <a:solidFill>
+                <a:srgbClr val="FF0000"/>
+              </a:solidFill>
+            </a:endParaRPr>
+          </a:p>
+        </p:txBody>
+      </p:sp>
+      <p:sp>
+        <p:nvSpPr>
+          <p:cNvPr id="7" name="TextBox 6"/>
+          <p:cNvSpPr txBox="1"/>
+          <p:nvPr/>
+        </p:nvSpPr>
+        <p:spPr>
+          <a:xfrm>
+            <a:off x="6239164" y="4234483"/>
+            <a:ext cx="1778436" cy="369332"/>
+          </a:xfrm>
+          <a:prstGeom prst="rect">
+            <a:avLst/>
+          </a:prstGeom>
+          <a:noFill/>
+        </p:spPr>
+        <p:txBody>
+          <a:bodyPr wrap="none" rtlCol="0">
+            <a:spAutoFit/>
+          </a:bodyPr>
+          <a:lstStyle/>
+          <a:p>
+            <a:r>
+              <a:rPr lang="en-US" dirty="0" smtClean="0">
+                <a:solidFill>
+                  <a:srgbClr val="FF0000"/>
+                </a:solidFill>
+              </a:rPr>
+              <a:t>Pull from remote</a:t>
+            </a:r>
+            <a:endParaRPr lang="en-US" dirty="0">
+              <a:solidFill>
+                <a:srgbClr val="FF0000"/>
+              </a:solidFill>
+            </a:endParaRPr>
+          </a:p>
+        </p:txBody>
+      </p:sp>
+    </p:spTree>
+    <p:extLst>
+      <p:ext uri="{BB962C8B-B14F-4D97-AF65-F5344CB8AC3E}">
+        <p14:creationId xmlns:p14="http://schemas.microsoft.com/office/powerpoint/2010/main" val="656192114"/>
+      </p:ext>
+    </p:extLst>
+  </p:cSld>
+  <p:clrMapOvr>
+    <a:masterClrMapping/>
+  </p:clrMapOvr>
+  <p:timing>
+    <p:tnLst>
+      <p:par>
+        <p:cTn id="1" dur="indefinite" restart="never" nodeType="tmRoot"/>
+      </p:par>
+    </p:tnLst>
+  </p:timing>
+</p:sld>
+</file>
+
+<file path=ppt/slides/slide16.xml><?xml version="1.0" encoding="utf-8"?>
+<p:sld xmlns:a="http://schemas.openxmlformats.org/drawingml/2006/main" xmlns:r="http://schemas.openxmlformats.org/officeDocument/2006/relationships" xmlns:p="http://schemas.openxmlformats.org/presentationml/2006/main">
+  <p:cSld>
+    <p:spTree>
+      <p:nvGrpSpPr>
+        <p:cNvPr id="1" name=""/>
+        <p:cNvGrpSpPr/>
+        <p:nvPr/>
+      </p:nvGrpSpPr>
+      <p:grpSpPr>
+        <a:xfrm>
+          <a:off x="0" y="0"/>
+          <a:ext cx="0" cy="0"/>
+          <a:chOff x="0" y="0"/>
+          <a:chExt cx="0" cy="0"/>
+        </a:xfrm>
+      </p:grpSpPr>
+      <p:sp>
+        <p:nvSpPr>
+          <p:cNvPr id="2" name="Title 1"/>
+          <p:cNvSpPr>
+            <a:spLocks noGrp="1"/>
+          </p:cNvSpPr>
+          <p:nvPr>
+            <p:ph type="title"/>
+          </p:nvPr>
+        </p:nvSpPr>
+        <p:spPr/>
+        <p:txBody>
+          <a:bodyPr/>
+          <a:lstStyle/>
+          <a:p>
+            <a:r>
+              <a:rPr lang="en-US" dirty="0" smtClean="0"/>
+              <a:t>IF WORKING COLLABORATIVELY…</a:t>
+            </a:r>
+            <a:endParaRPr lang="en-US" dirty="0"/>
+          </a:p>
+        </p:txBody>
+      </p:sp>
+      <p:sp>
+        <p:nvSpPr>
+          <p:cNvPr id="3" name="Content Placeholder 2"/>
+          <p:cNvSpPr>
+            <a:spLocks noGrp="1"/>
+          </p:cNvSpPr>
+          <p:nvPr>
+            <p:ph idx="1"/>
+          </p:nvPr>
+        </p:nvSpPr>
+        <p:spPr>
+          <a:xfrm>
+            <a:off x="628650" y="1440873"/>
+            <a:ext cx="7886700" cy="4736090"/>
+          </a:xfrm>
+        </p:spPr>
+        <p:txBody>
+          <a:bodyPr>
+            <a:normAutofit/>
+          </a:bodyPr>
+          <a:lstStyle/>
+          <a:p>
+            <a:pPr marL="0" indent="0">
+              <a:buNone/>
+            </a:pPr>
+            <a:endParaRPr lang="en-US" dirty="0" smtClean="0"/>
+          </a:p>
+          <a:p>
+            <a:pPr marL="0" indent="0">
+              <a:buNone/>
+            </a:pPr>
+            <a:endParaRPr lang="en-US" dirty="0"/>
+          </a:p>
+          <a:p>
+            <a:pPr marL="0" indent="0">
+              <a:buNone/>
+            </a:pPr>
+            <a:endParaRPr lang="en-US" dirty="0" smtClean="0"/>
+          </a:p>
+          <a:p>
+            <a:pPr marL="0" indent="0">
+              <a:buNone/>
+            </a:pPr>
+            <a:endParaRPr lang="en-US" dirty="0"/>
+          </a:p>
+          <a:p>
+            <a:pPr marL="0" indent="0" algn="ctr">
+              <a:buNone/>
+            </a:pPr>
+            <a:r>
+              <a:rPr lang="en-US" i="1" dirty="0" smtClean="0"/>
+              <a:t>ALWAYS PULL BEFORE YOU PUSH!!</a:t>
+            </a:r>
+            <a:endParaRPr lang="en-US" i="1" dirty="0"/>
+          </a:p>
+        </p:txBody>
+      </p:sp>
+    </p:spTree>
+    <p:extLst>
+      <p:ext uri="{BB962C8B-B14F-4D97-AF65-F5344CB8AC3E}">
+        <p14:creationId xmlns:p14="http://schemas.microsoft.com/office/powerpoint/2010/main" val="2508082607"/>
+      </p:ext>
+    </p:extLst>
+  </p:cSld>
+  <p:clrMapOvr>
+    <a:masterClrMapping/>
+  </p:clrMapOvr>
+  <p:timing>
+    <p:tnLst>
+      <p:par>
+        <p:cTn id="1" dur="indefinite" restart="never" nodeType="tmRoot"/>
+      </p:par>
+    </p:tnLst>
+  </p:timing>
+</p:sld>
+</file>
+
+<file path=ppt/slides/slide17.xml><?xml version="1.0" encoding="utf-8"?>
 <p:sld xmlns:a="http://schemas.openxmlformats.org/drawingml/2006/main" xmlns:r="http://schemas.openxmlformats.org/officeDocument/2006/relationships" xmlns:p="http://schemas.openxmlformats.org/presentationml/2006/main">
   <p:cSld>
     <p:spTree>
@@ -4056,7 +4614,7 @@
 </p:sld>
 </file>
 
-<file path=ppt/slides/slide16.xml><?xml version="1.0" encoding="utf-8"?>
+<file path=ppt/slides/slide18.xml><?xml version="1.0" encoding="utf-8"?>
 <p:sld xmlns:a="http://schemas.openxmlformats.org/drawingml/2006/main" xmlns:r="http://schemas.openxmlformats.org/officeDocument/2006/relationships" xmlns:p="http://schemas.openxmlformats.org/presentationml/2006/main">
   <p:cSld>
     <p:spTree>
@@ -4110,10 +4668,17 @@
   <p:clrMapOvr>
     <a:masterClrMapping/>
   </p:clrMapOvr>
+  <p:timing>
+    <p:tnLst>
+      <p:par>
+        <p:cTn id="1" dur="indefinite" restart="never" nodeType="tmRoot"/>
+      </p:par>
+    </p:tnLst>
+  </p:timing>
 </p:sld>
 </file>
 
-<file path=ppt/slides/slide17.xml><?xml version="1.0" encoding="utf-8"?>
+<file path=ppt/slides/slide19.xml><?xml version="1.0" encoding="utf-8"?>
 <p:sld xmlns:a="http://schemas.openxmlformats.org/drawingml/2006/main" xmlns:r="http://schemas.openxmlformats.org/officeDocument/2006/relationships" xmlns:p="http://schemas.openxmlformats.org/presentationml/2006/main">
   <p:cSld>
     <p:spTree>
@@ -4262,10 +4827,191 @@
   <p:clrMapOvr>
     <a:masterClrMapping/>
   </p:clrMapOvr>
+  <p:timing>
+    <p:tnLst>
+      <p:par>
+        <p:cTn id="1" dur="indefinite" restart="never" nodeType="tmRoot"/>
+      </p:par>
+    </p:tnLst>
+  </p:timing>
 </p:sld>
 </file>
 
-<file path=ppt/slides/slide18.xml><?xml version="1.0" encoding="utf-8"?>
+<file path=ppt/slides/slide2.xml><?xml version="1.0" encoding="utf-8"?>
+<p:sld xmlns:a="http://schemas.openxmlformats.org/drawingml/2006/main" xmlns:r="http://schemas.openxmlformats.org/officeDocument/2006/relationships" xmlns:p="http://schemas.openxmlformats.org/presentationml/2006/main">
+  <p:cSld>
+    <p:spTree>
+      <p:nvGrpSpPr>
+        <p:cNvPr id="1" name=""/>
+        <p:cNvGrpSpPr/>
+        <p:nvPr/>
+      </p:nvGrpSpPr>
+      <p:grpSpPr>
+        <a:xfrm>
+          <a:off x="0" y="0"/>
+          <a:ext cx="0" cy="0"/>
+          <a:chOff x="0" y="0"/>
+          <a:chExt cx="0" cy="0"/>
+        </a:xfrm>
+      </p:grpSpPr>
+      <p:sp>
+        <p:nvSpPr>
+          <p:cNvPr id="2" name="Title 1"/>
+          <p:cNvSpPr>
+            <a:spLocks noGrp="1"/>
+          </p:cNvSpPr>
+          <p:nvPr>
+            <p:ph type="title"/>
+          </p:nvPr>
+        </p:nvSpPr>
+        <p:spPr/>
+        <p:txBody>
+          <a:bodyPr/>
+          <a:lstStyle/>
+          <a:p>
+            <a:r>
+              <a:rPr lang="en-US" dirty="0" smtClean="0"/>
+              <a:t>How to get a repository</a:t>
+            </a:r>
+            <a:endParaRPr lang="en-US" dirty="0"/>
+          </a:p>
+        </p:txBody>
+      </p:sp>
+      <p:sp>
+        <p:nvSpPr>
+          <p:cNvPr id="3" name="Content Placeholder 2"/>
+          <p:cNvSpPr>
+            <a:spLocks noGrp="1"/>
+          </p:cNvSpPr>
+          <p:nvPr>
+            <p:ph idx="1"/>
+          </p:nvPr>
+        </p:nvSpPr>
+        <p:spPr/>
+        <p:txBody>
+          <a:bodyPr/>
+          <a:lstStyle/>
+          <a:p>
+            <a:r>
+              <a:rPr lang="en-US" dirty="0" smtClean="0"/>
+              <a:t>Initialize</a:t>
+            </a:r>
+          </a:p>
+          <a:p>
+            <a:pPr lvl="1"/>
+            <a:r>
+              <a:rPr lang="en-US" dirty="0" smtClean="0">
+                <a:latin typeface="Consolas" charset="0"/>
+                <a:ea typeface="Consolas" charset="0"/>
+                <a:cs typeface="Consolas" charset="0"/>
+              </a:rPr>
+              <a:t>$ </a:t>
+            </a:r>
+            <a:r>
+              <a:rPr lang="en-US" dirty="0" err="1">
+                <a:latin typeface="Consolas" charset="0"/>
+                <a:ea typeface="Consolas" charset="0"/>
+                <a:cs typeface="Consolas" charset="0"/>
+              </a:rPr>
+              <a:t>git</a:t>
+            </a:r>
+            <a:r>
+              <a:rPr lang="en-US" dirty="0">
+                <a:latin typeface="Consolas" charset="0"/>
+                <a:ea typeface="Consolas" charset="0"/>
+                <a:cs typeface="Consolas" charset="0"/>
+              </a:rPr>
+              <a:t> </a:t>
+            </a:r>
+            <a:r>
+              <a:rPr lang="en-US" dirty="0" err="1">
+                <a:latin typeface="Consolas" charset="0"/>
+                <a:ea typeface="Consolas" charset="0"/>
+                <a:cs typeface="Consolas" charset="0"/>
+              </a:rPr>
+              <a:t>init</a:t>
+            </a:r>
+            <a:endParaRPr lang="en-US" dirty="0">
+              <a:latin typeface="Consolas" charset="0"/>
+              <a:ea typeface="Consolas" charset="0"/>
+              <a:cs typeface="Consolas" charset="0"/>
+            </a:endParaRPr>
+          </a:p>
+          <a:p>
+            <a:endParaRPr lang="en-US" dirty="0" smtClean="0"/>
+          </a:p>
+          <a:p>
+            <a:r>
+              <a:rPr lang="en-US" dirty="0" smtClean="0"/>
+              <a:t>Clone an existing remote repository</a:t>
+            </a:r>
+          </a:p>
+          <a:p>
+            <a:pPr lvl="1"/>
+            <a:r>
+              <a:rPr lang="en-US" sz="2000" dirty="0">
+                <a:latin typeface="Consolas" charset="0"/>
+                <a:ea typeface="Consolas" charset="0"/>
+                <a:cs typeface="Consolas" charset="0"/>
+              </a:rPr>
+              <a:t>$ </a:t>
+            </a:r>
+            <a:r>
+              <a:rPr lang="en-US" sz="2000" dirty="0" err="1">
+                <a:latin typeface="Consolas" charset="0"/>
+                <a:ea typeface="Consolas" charset="0"/>
+                <a:cs typeface="Consolas" charset="0"/>
+              </a:rPr>
+              <a:t>git</a:t>
+            </a:r>
+            <a:r>
+              <a:rPr lang="en-US" sz="2000" dirty="0">
+                <a:latin typeface="Consolas" charset="0"/>
+                <a:ea typeface="Consolas" charset="0"/>
+                <a:cs typeface="Consolas" charset="0"/>
+              </a:rPr>
+              <a:t> clone https://</a:t>
+            </a:r>
+            <a:r>
+              <a:rPr lang="en-US" sz="2000" dirty="0" err="1">
+                <a:latin typeface="Consolas" charset="0"/>
+                <a:ea typeface="Consolas" charset="0"/>
+                <a:cs typeface="Consolas" charset="0"/>
+              </a:rPr>
+              <a:t>github.com</a:t>
+            </a:r>
+            <a:r>
+              <a:rPr lang="en-US" sz="2000" dirty="0">
+                <a:latin typeface="Consolas" charset="0"/>
+                <a:ea typeface="Consolas" charset="0"/>
+                <a:cs typeface="Consolas" charset="0"/>
+              </a:rPr>
+              <a:t>/libgit2/libgit2</a:t>
+            </a:r>
+          </a:p>
+        </p:txBody>
+      </p:sp>
+    </p:spTree>
+    <p:extLst>
+      <p:ext uri="{BB962C8B-B14F-4D97-AF65-F5344CB8AC3E}">
+        <p14:creationId xmlns:p14="http://schemas.microsoft.com/office/powerpoint/2010/main" val="1541767575"/>
+      </p:ext>
+    </p:extLst>
+  </p:cSld>
+  <p:clrMapOvr>
+    <a:masterClrMapping/>
+  </p:clrMapOvr>
+  <p:timing>
+    <p:tnLst>
+      <p:par>
+        <p:cTn id="1" dur="indefinite" restart="never" nodeType="tmRoot"/>
+      </p:par>
+    </p:tnLst>
+  </p:timing>
+</p:sld>
+</file>
+
+<file path=ppt/slides/slide20.xml><?xml version="1.0" encoding="utf-8"?>
 <p:sld xmlns:a="http://schemas.openxmlformats.org/drawingml/2006/main" xmlns:r="http://schemas.openxmlformats.org/officeDocument/2006/relationships" xmlns:p="http://schemas.openxmlformats.org/presentationml/2006/main">
   <p:cSld>
     <p:spTree>
@@ -4488,10 +5234,17 @@
   <p:clrMapOvr>
     <a:masterClrMapping/>
   </p:clrMapOvr>
+  <p:timing>
+    <p:tnLst>
+      <p:par>
+        <p:cTn id="1" dur="indefinite" restart="never" nodeType="tmRoot"/>
+      </p:par>
+    </p:tnLst>
+  </p:timing>
 </p:sld>
 </file>
 
-<file path=ppt/slides/slide19.xml><?xml version="1.0" encoding="utf-8"?>
+<file path=ppt/slides/slide21.xml><?xml version="1.0" encoding="utf-8"?>
 <p:sld xmlns:a="http://schemas.openxmlformats.org/drawingml/2006/main" xmlns:r="http://schemas.openxmlformats.org/officeDocument/2006/relationships" xmlns:p="http://schemas.openxmlformats.org/presentationml/2006/main">
   <p:cSld>
     <p:spTree>
@@ -4593,8 +5346,17 @@
             </a:pPr>
             <a:r>
               <a:rPr lang="en-US" dirty="0" smtClean="0"/>
-              <a:t>$ notepad gitignore.txt</a:t>
-            </a:r>
+              <a:t>$ notepad </a:t>
+            </a:r>
+            <a:r>
+              <a:rPr lang="en-US" dirty="0" smtClean="0"/>
+              <a:t>.</a:t>
+            </a:r>
+            <a:r>
+              <a:rPr lang="en-US" dirty="0" err="1" smtClean="0"/>
+              <a:t>gitignore</a:t>
+            </a:r>
+            <a:endParaRPr lang="en-US" dirty="0" smtClean="0"/>
           </a:p>
         </p:txBody>
       </p:sp>
@@ -4632,173 +5394,6 @@
   <p:clrMapOvr>
     <a:masterClrMapping/>
   </p:clrMapOvr>
-</p:sld>
-</file>
-
-<file path=ppt/slides/slide2.xml><?xml version="1.0" encoding="utf-8"?>
-<p:sld xmlns:a="http://schemas.openxmlformats.org/drawingml/2006/main" xmlns:r="http://schemas.openxmlformats.org/officeDocument/2006/relationships" xmlns:p="http://schemas.openxmlformats.org/presentationml/2006/main">
-  <p:cSld>
-    <p:spTree>
-      <p:nvGrpSpPr>
-        <p:cNvPr id="1" name=""/>
-        <p:cNvGrpSpPr/>
-        <p:nvPr/>
-      </p:nvGrpSpPr>
-      <p:grpSpPr>
-        <a:xfrm>
-          <a:off x="0" y="0"/>
-          <a:ext cx="0" cy="0"/>
-          <a:chOff x="0" y="0"/>
-          <a:chExt cx="0" cy="0"/>
-        </a:xfrm>
-      </p:grpSpPr>
-      <p:sp>
-        <p:nvSpPr>
-          <p:cNvPr id="2" name="Title 1"/>
-          <p:cNvSpPr>
-            <a:spLocks noGrp="1"/>
-          </p:cNvSpPr>
-          <p:nvPr>
-            <p:ph type="title"/>
-          </p:nvPr>
-        </p:nvSpPr>
-        <p:spPr/>
-        <p:txBody>
-          <a:bodyPr/>
-          <a:lstStyle/>
-          <a:p>
-            <a:r>
-              <a:rPr lang="en-US" dirty="0" smtClean="0"/>
-              <a:t>How to get a repository</a:t>
-            </a:r>
-            <a:endParaRPr lang="en-US" dirty="0"/>
-          </a:p>
-        </p:txBody>
-      </p:sp>
-      <p:sp>
-        <p:nvSpPr>
-          <p:cNvPr id="3" name="Content Placeholder 2"/>
-          <p:cNvSpPr>
-            <a:spLocks noGrp="1"/>
-          </p:cNvSpPr>
-          <p:nvPr>
-            <p:ph idx="1"/>
-          </p:nvPr>
-        </p:nvSpPr>
-        <p:spPr/>
-        <p:txBody>
-          <a:bodyPr/>
-          <a:lstStyle/>
-          <a:p>
-            <a:r>
-              <a:rPr lang="en-US" dirty="0" smtClean="0"/>
-              <a:t>Initialize</a:t>
-            </a:r>
-          </a:p>
-          <a:p>
-            <a:pPr lvl="1"/>
-            <a:r>
-              <a:rPr lang="en-US" dirty="0" smtClean="0">
-                <a:latin typeface="Consolas" charset="0"/>
-                <a:ea typeface="Consolas" charset="0"/>
-                <a:cs typeface="Consolas" charset="0"/>
-              </a:rPr>
-              <a:t>$ </a:t>
-            </a:r>
-            <a:r>
-              <a:rPr lang="en-US" dirty="0" err="1">
-                <a:latin typeface="Consolas" charset="0"/>
-                <a:ea typeface="Consolas" charset="0"/>
-                <a:cs typeface="Consolas" charset="0"/>
-              </a:rPr>
-              <a:t>git</a:t>
-            </a:r>
-            <a:r>
-              <a:rPr lang="en-US" dirty="0">
-                <a:latin typeface="Consolas" charset="0"/>
-                <a:ea typeface="Consolas" charset="0"/>
-                <a:cs typeface="Consolas" charset="0"/>
-              </a:rPr>
-              <a:t> </a:t>
-            </a:r>
-            <a:r>
-              <a:rPr lang="en-US" dirty="0" err="1">
-                <a:latin typeface="Consolas" charset="0"/>
-                <a:ea typeface="Consolas" charset="0"/>
-                <a:cs typeface="Consolas" charset="0"/>
-              </a:rPr>
-              <a:t>init</a:t>
-            </a:r>
-            <a:endParaRPr lang="en-US" dirty="0">
-              <a:latin typeface="Consolas" charset="0"/>
-              <a:ea typeface="Consolas" charset="0"/>
-              <a:cs typeface="Consolas" charset="0"/>
-            </a:endParaRPr>
-          </a:p>
-          <a:p>
-            <a:endParaRPr lang="en-US" dirty="0" smtClean="0"/>
-          </a:p>
-          <a:p>
-            <a:r>
-              <a:rPr lang="en-US" dirty="0" smtClean="0"/>
-              <a:t>Clone an existing remote repository</a:t>
-            </a:r>
-          </a:p>
-          <a:p>
-            <a:pPr lvl="1"/>
-            <a:r>
-              <a:rPr lang="en-US" sz="2000" dirty="0">
-                <a:latin typeface="Consolas" charset="0"/>
-                <a:ea typeface="Consolas" charset="0"/>
-                <a:cs typeface="Consolas" charset="0"/>
-              </a:rPr>
-              <a:t>$ </a:t>
-            </a:r>
-            <a:r>
-              <a:rPr lang="en-US" sz="2000" dirty="0" err="1">
-                <a:latin typeface="Consolas" charset="0"/>
-                <a:ea typeface="Consolas" charset="0"/>
-                <a:cs typeface="Consolas" charset="0"/>
-              </a:rPr>
-              <a:t>git</a:t>
-            </a:r>
-            <a:r>
-              <a:rPr lang="en-US" sz="2000" dirty="0">
-                <a:latin typeface="Consolas" charset="0"/>
-                <a:ea typeface="Consolas" charset="0"/>
-                <a:cs typeface="Consolas" charset="0"/>
-              </a:rPr>
-              <a:t> clone https://</a:t>
-            </a:r>
-            <a:r>
-              <a:rPr lang="en-US" sz="2000" dirty="0" err="1">
-                <a:latin typeface="Consolas" charset="0"/>
-                <a:ea typeface="Consolas" charset="0"/>
-                <a:cs typeface="Consolas" charset="0"/>
-              </a:rPr>
-              <a:t>github.com</a:t>
-            </a:r>
-            <a:r>
-              <a:rPr lang="en-US" sz="2000" dirty="0">
-                <a:latin typeface="Consolas" charset="0"/>
-                <a:ea typeface="Consolas" charset="0"/>
-                <a:cs typeface="Consolas" charset="0"/>
-              </a:rPr>
-              <a:t>/libgit2/libgit2</a:t>
-            </a:r>
-          </a:p>
-        </p:txBody>
-      </p:sp>
-    </p:spTree>
-    <p:extLst>
-      <p:ext uri="{BB962C8B-B14F-4D97-AF65-F5344CB8AC3E}">
-        <p14:creationId xmlns:p14="http://schemas.microsoft.com/office/powerpoint/2010/main" val="1541767575"/>
-      </p:ext>
-    </p:extLst>
-  </p:cSld>
-  <p:clrMapOvr>
-    <a:masterClrMapping/>
-  </p:clrMapOvr>
   <p:timing>
     <p:tnLst>
       <p:par>
@@ -4809,7 +5404,7 @@
 </p:sld>
 </file>
 
-<file path=ppt/slides/slide20.xml><?xml version="1.0" encoding="utf-8"?>
+<file path=ppt/slides/slide22.xml><?xml version="1.0" encoding="utf-8"?>
 <p:sld xmlns:a="http://schemas.openxmlformats.org/drawingml/2006/main" xmlns:r="http://schemas.openxmlformats.org/officeDocument/2006/relationships" xmlns:p="http://schemas.openxmlformats.org/presentationml/2006/main">
   <p:cSld>
     <p:spTree>
@@ -4836,13 +5431,13 @@
         </p:nvPicPr>
         <p:blipFill rotWithShape="1">
           <a:blip r:embed="rId2"/>
-          <a:srcRect l="1307"/>
+          <a:srcRect l="1307" t="15349"/>
           <a:stretch/>
         </p:blipFill>
         <p:spPr>
           <a:xfrm>
-            <a:off x="1228436" y="2235055"/>
-            <a:ext cx="6552190" cy="1685925"/>
+            <a:off x="1228436" y="2493818"/>
+            <a:ext cx="6552190" cy="1427162"/>
           </a:xfrm>
           <a:prstGeom prst="rect">
             <a:avLst/>
@@ -4859,10 +5454,17 @@
   <p:clrMapOvr>
     <a:masterClrMapping/>
   </p:clrMapOvr>
+  <p:timing>
+    <p:tnLst>
+      <p:par>
+        <p:cTn id="1" dur="indefinite" restart="never" nodeType="tmRoot"/>
+      </p:par>
+    </p:tnLst>
+  </p:timing>
 </p:sld>
 </file>
 
-<file path=ppt/slides/slide21.xml><?xml version="1.0" encoding="utf-8"?>
+<file path=ppt/slides/slide23.xml><?xml version="1.0" encoding="utf-8"?>
 <p:sld xmlns:a="http://schemas.openxmlformats.org/drawingml/2006/main" xmlns:r="http://schemas.openxmlformats.org/officeDocument/2006/relationships" xmlns:p="http://schemas.openxmlformats.org/presentationml/2006/main">
   <p:cSld>
     <p:spTree>
@@ -4901,37 +5503,6 @@
           </a:bodyPr>
           <a:lstStyle/>
           <a:p>
-            <a:r>
-              <a:rPr lang="en-US" dirty="0" smtClean="0"/>
-              <a:t>This isn’t actually a .</a:t>
-            </a:r>
-            <a:r>
-              <a:rPr lang="en-US" dirty="0" err="1" smtClean="0"/>
-              <a:t>gitignore</a:t>
-            </a:r>
-            <a:r>
-              <a:rPr lang="en-US" dirty="0" smtClean="0"/>
-              <a:t> file.  </a:t>
-            </a:r>
-          </a:p>
-          <a:p>
-            <a:endParaRPr lang="en-US" dirty="0"/>
-          </a:p>
-          <a:p>
-            <a:r>
-              <a:rPr lang="en-US" dirty="0" smtClean="0"/>
-              <a:t>We can copy the .txt file to .</a:t>
-            </a:r>
-            <a:r>
-              <a:rPr lang="en-US" dirty="0" err="1" smtClean="0"/>
-              <a:t>gitignore</a:t>
-            </a:r>
-            <a:r>
-              <a:rPr lang="en-US" dirty="0" smtClean="0"/>
-              <a:t>, then remove the .txt file</a:t>
-            </a:r>
-          </a:p>
-          <a:p>
             <a:pPr marL="0" indent="0">
               <a:buNone/>
             </a:pPr>
@@ -4959,16 +5530,38 @@
           </p:cNvPicPr>
           <p:nvPr/>
         </p:nvPicPr>
-        <p:blipFill>
+        <p:blipFill rotWithShape="1">
           <a:blip r:embed="rId2"/>
-          <a:stretch>
-            <a:fillRect/>
-          </a:stretch>
+          <a:srcRect t="36252" b="37194"/>
+          <a:stretch/>
         </p:blipFill>
         <p:spPr>
           <a:xfrm>
-            <a:off x="1912071" y="3412837"/>
-            <a:ext cx="5172075" cy="3095625"/>
+            <a:off x="1838180" y="2309092"/>
+            <a:ext cx="5172075" cy="822036"/>
+          </a:xfrm>
+          <a:prstGeom prst="rect">
+            <a:avLst/>
+          </a:prstGeom>
+        </p:spPr>
+      </p:pic>
+      <p:pic>
+        <p:nvPicPr>
+          <p:cNvPr id="4" name="Picture 3"/>
+          <p:cNvPicPr>
+            <a:picLocks noChangeAspect="1"/>
+          </p:cNvPicPr>
+          <p:nvPr/>
+        </p:nvPicPr>
+        <p:blipFill rotWithShape="1">
+          <a:blip r:embed="rId2"/>
+          <a:srcRect t="70368"/>
+          <a:stretch/>
+        </p:blipFill>
+        <p:spPr>
+          <a:xfrm>
+            <a:off x="1838180" y="3131128"/>
+            <a:ext cx="5172075" cy="917288"/>
           </a:xfrm>
           <a:prstGeom prst="rect">
             <a:avLst/>
@@ -4985,10 +5578,17 @@
   <p:clrMapOvr>
     <a:masterClrMapping/>
   </p:clrMapOvr>
+  <p:timing>
+    <p:tnLst>
+      <p:par>
+        <p:cTn id="1" dur="indefinite" restart="never" nodeType="tmRoot"/>
+      </p:par>
+    </p:tnLst>
+  </p:timing>
 </p:sld>
 </file>
 
-<file path=ppt/slides/slide22.xml><?xml version="1.0" encoding="utf-8"?>
+<file path=ppt/slides/slide24.xml><?xml version="1.0" encoding="utf-8"?>
 <p:sld xmlns:a="http://schemas.openxmlformats.org/drawingml/2006/main" xmlns:r="http://schemas.openxmlformats.org/officeDocument/2006/relationships" xmlns:p="http://schemas.openxmlformats.org/presentationml/2006/main">
   <p:cSld>
     <p:spTree>
@@ -5135,10 +5735,17 @@
   <p:clrMapOvr>
     <a:masterClrMapping/>
   </p:clrMapOvr>
+  <p:timing>
+    <p:tnLst>
+      <p:par>
+        <p:cTn id="1" dur="indefinite" restart="never" nodeType="tmRoot"/>
+      </p:par>
+    </p:tnLst>
+  </p:timing>
 </p:sld>
 </file>
 
-<file path=ppt/slides/slide23.xml><?xml version="1.0" encoding="utf-8"?>
+<file path=ppt/slides/slide25.xml><?xml version="1.0" encoding="utf-8"?>
 <p:sld xmlns:a="http://schemas.openxmlformats.org/drawingml/2006/main" xmlns:r="http://schemas.openxmlformats.org/officeDocument/2006/relationships" xmlns:p="http://schemas.openxmlformats.org/presentationml/2006/main">
   <p:cSld>
     <p:spTree>
@@ -5179,8 +5786,48 @@
           <a:p>
             <a:r>
               <a:rPr lang="en-US" dirty="0" smtClean="0"/>
-              <a:t>Neither Excel files are now tracked:</a:t>
-            </a:r>
+              <a:t>Neither Excel files are now tracked</a:t>
+            </a:r>
+            <a:r>
+              <a:rPr lang="en-US" dirty="0" smtClean="0"/>
+              <a:t>:</a:t>
+            </a:r>
+          </a:p>
+          <a:p>
+            <a:endParaRPr lang="en-US" dirty="0"/>
+          </a:p>
+          <a:p>
+            <a:endParaRPr lang="en-US" dirty="0" smtClean="0"/>
+          </a:p>
+          <a:p>
+            <a:endParaRPr lang="en-US" dirty="0"/>
+          </a:p>
+          <a:p>
+            <a:endParaRPr lang="en-US" dirty="0" smtClean="0"/>
+          </a:p>
+          <a:p>
+            <a:endParaRPr lang="en-US" dirty="0"/>
+          </a:p>
+          <a:p>
+            <a:endParaRPr lang="en-US" dirty="0" smtClean="0"/>
+          </a:p>
+          <a:p>
+            <a:endParaRPr lang="en-US" dirty="0"/>
+          </a:p>
+          <a:p>
+            <a:r>
+              <a:rPr lang="en-US" dirty="0" smtClean="0"/>
+              <a:t>Still need to make sure to stage &amp; commit the .</a:t>
+            </a:r>
+            <a:r>
+              <a:rPr lang="en-US" dirty="0" err="1" smtClean="0"/>
+              <a:t>gitignore</a:t>
+            </a:r>
+            <a:r>
+              <a:rPr lang="en-US" smtClean="0"/>
+              <a:t>!</a:t>
+            </a:r>
+            <a:endParaRPr lang="en-US" dirty="0" smtClean="0"/>
           </a:p>
           <a:p>
             <a:endParaRPr lang="en-US" dirty="0"/>
@@ -5198,16 +5845,38 @@
           </p:cNvPicPr>
           <p:nvPr/>
         </p:nvPicPr>
-        <p:blipFill>
+        <p:blipFill rotWithShape="1">
           <a:blip r:embed="rId2"/>
-          <a:stretch>
-            <a:fillRect/>
-          </a:stretch>
+          <a:srcRect l="1088" t="55688"/>
+          <a:stretch/>
         </p:blipFill>
         <p:spPr>
           <a:xfrm>
-            <a:off x="985116" y="2194935"/>
-            <a:ext cx="6845888" cy="2435803"/>
+            <a:off x="1024602" y="2540000"/>
+            <a:ext cx="6851621" cy="1092139"/>
+          </a:xfrm>
+          <a:prstGeom prst="rect">
+            <a:avLst/>
+          </a:prstGeom>
+        </p:spPr>
+      </p:pic>
+      <p:pic>
+        <p:nvPicPr>
+          <p:cNvPr id="4" name="Picture 3"/>
+          <p:cNvPicPr>
+            <a:picLocks noChangeAspect="1"/>
+          </p:cNvPicPr>
+          <p:nvPr/>
+        </p:nvPicPr>
+        <p:blipFill rotWithShape="1">
+          <a:blip r:embed="rId3"/>
+          <a:srcRect t="36252" b="37194"/>
+          <a:stretch/>
+        </p:blipFill>
+        <p:spPr>
+          <a:xfrm>
+            <a:off x="1024602" y="1450111"/>
+            <a:ext cx="6857355" cy="1089890"/>
           </a:xfrm>
           <a:prstGeom prst="rect">
             <a:avLst/>
@@ -5224,6 +5893,13 @@
   <p:clrMapOvr>
     <a:masterClrMapping/>
   </p:clrMapOvr>
+  <p:timing>
+    <p:tnLst>
+      <p:par>
+        <p:cTn id="1" dur="indefinite" restart="never" nodeType="tmRoot"/>
+      </p:par>
+    </p:tnLst>
+  </p:timing>
 </p:sld>
 </file>
 
@@ -5321,8 +5997,13 @@
             </a:r>
             <a:r>
               <a:rPr lang="en-US" dirty="0" smtClean="0"/>
-              <a:t> remote –v</a:t>
-            </a:r>
+              <a:t> remote </a:t>
+            </a:r>
+            <a:r>
+              <a:rPr lang="en-US" dirty="0" smtClean="0"/>
+              <a:t>-v</a:t>
+            </a:r>
+            <a:endParaRPr lang="en-US" dirty="0" smtClean="0"/>
           </a:p>
           <a:p>
             <a:r>
@@ -6349,6 +7030,13 @@
   <p:clrMapOvr>
     <a:masterClrMapping/>
   </p:clrMapOvr>
+  <p:timing>
+    <p:tnLst>
+      <p:par>
+        <p:cTn id="1" dur="indefinite" restart="never" nodeType="tmRoot"/>
+      </p:par>
+    </p:tnLst>
+  </p:timing>
 </p:sld>
 </file>
 
@@ -6426,6 +7114,13 @@
   <p:clrMapOvr>
     <a:masterClrMapping/>
   </p:clrMapOvr>
+  <p:timing>
+    <p:tnLst>
+      <p:par>
+        <p:cTn id="1" dur="indefinite" restart="never" nodeType="tmRoot"/>
+      </p:par>
+    </p:tnLst>
+  </p:timing>
 </p:sld>
 </file>
 
@@ -6523,6 +7218,13 @@
   <p:clrMapOvr>
     <a:masterClrMapping/>
   </p:clrMapOvr>
+  <p:timing>
+    <p:tnLst>
+      <p:par>
+        <p:cTn id="1" dur="indefinite" restart="never" nodeType="tmRoot"/>
+      </p:par>
+    </p:tnLst>
+  </p:timing>
 </p:sld>
 </file>
 

--- a/GitMaterials/3-RemoteRepos.pptx
+++ b/GitMaterials/3-RemoteRepos.pptx
@@ -3535,17 +3535,8 @@
           <a:p>
             <a:r>
               <a:rPr lang="en-US" dirty="0" smtClean="0"/>
-              <a:t>Good practice to name remote </a:t>
-            </a:r>
-            <a:r>
-              <a:rPr lang="en-US" dirty="0" smtClean="0"/>
-              <a:t>repository </a:t>
-            </a:r>
-            <a:r>
-              <a:rPr lang="en-US" dirty="0" smtClean="0"/>
-              <a:t>the same as the local repository</a:t>
-            </a:r>
-            <a:endParaRPr lang="en-US" dirty="0" smtClean="0"/>
+              <a:t>Good practice to name remote repository the same as the local repository</a:t>
+            </a:r>
           </a:p>
           <a:p>
             <a:endParaRPr lang="en-US" b="1" dirty="0"/>
@@ -4056,7 +4047,7 @@
         </p:spPr>
         <p:txBody>
           <a:bodyPr>
-            <a:normAutofit fontScale="77500" lnSpcReduction="20000"/>
+            <a:normAutofit fontScale="92500" lnSpcReduction="10000"/>
           </a:bodyPr>
           <a:lstStyle/>
           <a:p>
@@ -4080,300 +4071,200 @@
             <a:pPr marL="0" indent="0">
               <a:buNone/>
             </a:pPr>
-            <a:endParaRPr lang="en-US" dirty="0"/>
+            <a:endParaRPr lang="en-US" sz="2400" dirty="0" smtClean="0"/>
           </a:p>
           <a:p>
             <a:pPr marL="0" indent="0">
               <a:buNone/>
             </a:pPr>
             <a:r>
-              <a:rPr lang="en-US" dirty="0" smtClean="0"/>
+              <a:rPr lang="en-US" sz="2400" dirty="0" smtClean="0"/>
               <a:t>$ </a:t>
             </a:r>
             <a:r>
-              <a:rPr lang="en-US" dirty="0" err="1" smtClean="0"/>
+              <a:rPr lang="en-US" sz="2400" dirty="0" err="1" smtClean="0"/>
               <a:t>git</a:t>
             </a:r>
             <a:r>
-              <a:rPr lang="en-US" dirty="0" smtClean="0"/>
-              <a:t> add -A </a:t>
-            </a:r>
-          </a:p>
-          <a:p>
-            <a:pPr marL="0" indent="0">
-              <a:buNone/>
-            </a:pPr>
-            <a:r>
-              <a:rPr lang="en-US" dirty="0" smtClean="0"/>
-              <a:t>$ </a:t>
-            </a:r>
-            <a:r>
-              <a:rPr lang="en-US" dirty="0" err="1" smtClean="0"/>
-              <a:t>git</a:t>
-            </a:r>
-            <a:r>
-              <a:rPr lang="en-US" dirty="0" smtClean="0"/>
-              <a:t> commit -m “</a:t>
-            </a:r>
-            <a:r>
-              <a:rPr lang="en-US" i="1" dirty="0" smtClean="0"/>
-              <a:t>what you changed”</a:t>
-            </a:r>
-          </a:p>
-          <a:p>
-            <a:pPr marL="0" indent="0">
-              <a:buNone/>
-            </a:pPr>
-            <a:r>
-              <a:rPr lang="en-US" dirty="0" smtClean="0"/>
-              <a:t>$ </a:t>
-            </a:r>
-            <a:r>
-              <a:rPr lang="en-US" dirty="0" err="1" smtClean="0"/>
-              <a:t>git</a:t>
-            </a:r>
-            <a:r>
-              <a:rPr lang="en-US" dirty="0" smtClean="0"/>
-              <a:t> push origin master</a:t>
-            </a:r>
-          </a:p>
-          <a:p>
-            <a:pPr marL="0" indent="0">
-              <a:buNone/>
-            </a:pPr>
-            <a:endParaRPr lang="en-US" dirty="0"/>
-          </a:p>
-          <a:p>
-            <a:pPr marL="0" indent="0">
-              <a:buNone/>
-            </a:pPr>
-            <a:r>
-              <a:rPr lang="en-US" b="1" dirty="0" smtClean="0"/>
-              <a:t>If you changed something on GitHub…</a:t>
-            </a:r>
-          </a:p>
-          <a:p>
-            <a:pPr marL="0" indent="0">
-              <a:buNone/>
-            </a:pPr>
-            <a:endParaRPr lang="en-US" b="1" dirty="0"/>
-          </a:p>
-          <a:p>
-            <a:pPr marL="0" indent="0">
-              <a:buNone/>
-            </a:pPr>
-            <a:r>
-              <a:rPr lang="en-US" dirty="0" smtClean="0"/>
-              <a:t>$ </a:t>
-            </a:r>
-            <a:r>
-              <a:rPr lang="en-US" dirty="0" err="1" smtClean="0"/>
-              <a:t>git</a:t>
-            </a:r>
-            <a:r>
-              <a:rPr lang="en-US" dirty="0" smtClean="0"/>
-              <a:t> pull origin master </a:t>
-            </a:r>
-          </a:p>
-          <a:p>
-            <a:pPr marL="0" indent="0">
-              <a:buNone/>
-            </a:pPr>
-            <a:endParaRPr lang="en-US" dirty="0" smtClean="0"/>
-          </a:p>
-          <a:p>
-            <a:pPr marL="0" indent="0">
-              <a:buNone/>
-            </a:pPr>
-            <a:r>
-              <a:rPr lang="en-US" dirty="0" smtClean="0"/>
-              <a:t>…this ‘syncs’ your local repository with the remote.</a:t>
-            </a:r>
-          </a:p>
-          <a:p>
-            <a:pPr marL="0" indent="0">
-              <a:buNone/>
-            </a:pPr>
-            <a:endParaRPr lang="en-US" dirty="0"/>
-          </a:p>
-          <a:p>
-            <a:pPr marL="0" indent="0">
-              <a:buNone/>
-            </a:pPr>
-            <a:r>
-              <a:rPr lang="en-US" dirty="0" smtClean="0"/>
-              <a:t>These few commands </a:t>
-            </a:r>
-            <a:r>
-              <a:rPr lang="en-US" dirty="0"/>
-              <a:t>get you </a:t>
-            </a:r>
-            <a:r>
-              <a:rPr lang="en-US" dirty="0" smtClean="0"/>
-              <a:t>very far</a:t>
-            </a:r>
-            <a:r>
-              <a:rPr lang="en-US" dirty="0"/>
-              <a:t>!!</a:t>
-            </a:r>
-          </a:p>
-          <a:p>
-            <a:pPr marL="0" indent="0">
-              <a:buNone/>
-            </a:pPr>
-            <a:endParaRPr lang="en-US" dirty="0"/>
-          </a:p>
-        </p:txBody>
-      </p:sp>
-      <p:sp>
-        <p:nvSpPr>
-          <p:cNvPr id="4" name="TextBox 3"/>
-          <p:cNvSpPr txBox="1"/>
-          <p:nvPr/>
-        </p:nvSpPr>
-        <p:spPr>
-          <a:xfrm>
-            <a:off x="6239164" y="2073770"/>
-            <a:ext cx="1514902" cy="369332"/>
-          </a:xfrm>
-          <a:prstGeom prst="rect">
-            <a:avLst/>
-          </a:prstGeom>
-          <a:noFill/>
-        </p:spPr>
-        <p:txBody>
-          <a:bodyPr wrap="none" rtlCol="0">
-            <a:spAutoFit/>
-          </a:bodyPr>
-          <a:lstStyle/>
-          <a:p>
-            <a:r>
-              <a:rPr lang="en-US" dirty="0" smtClean="0">
+              <a:rPr lang="en-US" sz="2400" dirty="0" smtClean="0"/>
+              <a:t> pull &lt;remote&gt; &lt;branch&gt;   </a:t>
+            </a:r>
+            <a:r>
+              <a:rPr lang="en-US" sz="2400" dirty="0" smtClean="0">
                 <a:solidFill>
                   <a:srgbClr val="FF0000"/>
                 </a:solidFill>
               </a:rPr>
-              <a:t>Stage changes</a:t>
-            </a:r>
-            <a:endParaRPr lang="en-US" dirty="0">
+              <a:t>ALWAYS DO FIRST!!</a:t>
+            </a:r>
+          </a:p>
+          <a:p>
+            <a:pPr marL="0" indent="0" algn="ctr">
+              <a:buNone/>
+            </a:pPr>
+            <a:r>
+              <a:rPr lang="en-US" sz="2400" dirty="0" smtClean="0"/>
+              <a:t>(Modify/add/delete documents)</a:t>
+            </a:r>
+            <a:endParaRPr lang="en-US" sz="2400" dirty="0"/>
+          </a:p>
+          <a:p>
+            <a:pPr marL="0" indent="0">
+              <a:buNone/>
+            </a:pPr>
+            <a:r>
+              <a:rPr lang="en-US" sz="2400" dirty="0" smtClean="0"/>
+              <a:t>$ </a:t>
+            </a:r>
+            <a:r>
+              <a:rPr lang="en-US" sz="2400" dirty="0" err="1" smtClean="0"/>
+              <a:t>git</a:t>
+            </a:r>
+            <a:r>
+              <a:rPr lang="en-US" sz="2400" dirty="0" smtClean="0"/>
+              <a:t> add -A </a:t>
+            </a:r>
+            <a:r>
+              <a:rPr lang="en-US" sz="2400" dirty="0" smtClean="0"/>
+              <a:t>  </a:t>
+            </a:r>
+            <a:r>
+              <a:rPr lang="en-US" sz="2400" dirty="0" smtClean="0">
+                <a:solidFill>
+                  <a:srgbClr val="FF0000"/>
+                </a:solidFill>
+              </a:rPr>
+              <a:t>STAGE CHANGES</a:t>
+            </a:r>
+            <a:endParaRPr lang="en-US" sz="2400" dirty="0" smtClean="0">
               <a:solidFill>
                 <a:srgbClr val="FF0000"/>
               </a:solidFill>
             </a:endParaRPr>
           </a:p>
-        </p:txBody>
-      </p:sp>
-      <p:sp>
-        <p:nvSpPr>
-          <p:cNvPr id="5" name="TextBox 4"/>
-          <p:cNvSpPr txBox="1"/>
-          <p:nvPr/>
-        </p:nvSpPr>
-        <p:spPr>
-          <a:xfrm>
-            <a:off x="6239164" y="2470934"/>
-            <a:ext cx="1745671" cy="369332"/>
-          </a:xfrm>
-          <a:prstGeom prst="rect">
-            <a:avLst/>
-          </a:prstGeom>
-          <a:noFill/>
-        </p:spPr>
-        <p:txBody>
-          <a:bodyPr wrap="none" rtlCol="0">
-            <a:spAutoFit/>
-          </a:bodyPr>
-          <a:lstStyle/>
-          <a:p>
-            <a:r>
-              <a:rPr lang="en-US" dirty="0" smtClean="0">
+          <a:p>
+            <a:pPr marL="0" indent="0">
+              <a:buNone/>
+            </a:pPr>
+            <a:r>
+              <a:rPr lang="en-US" sz="2400" dirty="0" smtClean="0"/>
+              <a:t>$ </a:t>
+            </a:r>
+            <a:r>
+              <a:rPr lang="en-US" sz="2400" dirty="0" err="1" smtClean="0"/>
+              <a:t>git</a:t>
+            </a:r>
+            <a:r>
+              <a:rPr lang="en-US" sz="2400" dirty="0" smtClean="0"/>
+              <a:t> commit -m “</a:t>
+            </a:r>
+            <a:r>
+              <a:rPr lang="en-US" sz="2400" i="1" dirty="0" smtClean="0"/>
+              <a:t>what you changed</a:t>
+            </a:r>
+            <a:r>
+              <a:rPr lang="en-US" sz="2400" i="1" dirty="0" smtClean="0"/>
+              <a:t>”  </a:t>
+            </a:r>
+            <a:r>
+              <a:rPr lang="en-US" sz="2400" dirty="0" smtClean="0">
                 <a:solidFill>
                   <a:srgbClr val="FF0000"/>
                 </a:solidFill>
               </a:rPr>
-              <a:t>Commit changes</a:t>
-            </a:r>
-            <a:endParaRPr lang="en-US" dirty="0">
+              <a:t>COMMIT CHANGES</a:t>
+            </a:r>
+            <a:endParaRPr lang="en-US" sz="2400" i="1" dirty="0" smtClean="0">
               <a:solidFill>
                 <a:srgbClr val="FF0000"/>
               </a:solidFill>
             </a:endParaRPr>
           </a:p>
-        </p:txBody>
-      </p:sp>
-      <p:sp>
-        <p:nvSpPr>
-          <p:cNvPr id="6" name="TextBox 5"/>
-          <p:cNvSpPr txBox="1"/>
-          <p:nvPr/>
-        </p:nvSpPr>
-        <p:spPr>
-          <a:xfrm>
-            <a:off x="6239164" y="2863234"/>
-            <a:ext cx="1627625" cy="369332"/>
-          </a:xfrm>
-          <a:prstGeom prst="rect">
-            <a:avLst/>
-          </a:prstGeom>
-          <a:noFill/>
-        </p:spPr>
-        <p:txBody>
-          <a:bodyPr wrap="none" rtlCol="0">
-            <a:spAutoFit/>
-          </a:bodyPr>
-          <a:lstStyle/>
-          <a:p>
-            <a:r>
-              <a:rPr lang="en-US" dirty="0" smtClean="0">
+          <a:p>
+            <a:pPr marL="0" indent="0">
+              <a:buNone/>
+            </a:pPr>
+            <a:r>
+              <a:rPr lang="en-US" sz="2400" dirty="0" smtClean="0"/>
+              <a:t>$ </a:t>
+            </a:r>
+            <a:r>
+              <a:rPr lang="en-US" sz="2400" dirty="0" err="1" smtClean="0"/>
+              <a:t>git</a:t>
+            </a:r>
+            <a:r>
+              <a:rPr lang="en-US" sz="2400" dirty="0" smtClean="0"/>
+              <a:t> push </a:t>
+            </a:r>
+            <a:r>
+              <a:rPr lang="en-US" sz="2400" dirty="0" smtClean="0"/>
+              <a:t>&lt;remote&gt; &lt;branch&gt;             </a:t>
+            </a:r>
+            <a:r>
+              <a:rPr lang="en-US" sz="2400" dirty="0" smtClean="0">
                 <a:solidFill>
                   <a:srgbClr val="FF0000"/>
                 </a:solidFill>
               </a:rPr>
-              <a:t>Push to remote</a:t>
-            </a:r>
-            <a:endParaRPr lang="en-US" dirty="0">
+              <a:t>PUSH TO REMOTE</a:t>
+            </a:r>
+            <a:endParaRPr lang="en-US" sz="2400" dirty="0" smtClean="0">
               <a:solidFill>
                 <a:srgbClr val="FF0000"/>
               </a:solidFill>
             </a:endParaRPr>
           </a:p>
-        </p:txBody>
-      </p:sp>
-      <p:sp>
-        <p:nvSpPr>
-          <p:cNvPr id="7" name="TextBox 6"/>
-          <p:cNvSpPr txBox="1"/>
-          <p:nvPr/>
-        </p:nvSpPr>
-        <p:spPr>
-          <a:xfrm>
-            <a:off x="6239164" y="4234483"/>
-            <a:ext cx="1778436" cy="369332"/>
-          </a:xfrm>
-          <a:prstGeom prst="rect">
-            <a:avLst/>
-          </a:prstGeom>
-          <a:noFill/>
-        </p:spPr>
-        <p:txBody>
-          <a:bodyPr wrap="none" rtlCol="0">
-            <a:spAutoFit/>
-          </a:bodyPr>
-          <a:lstStyle/>
-          <a:p>
-            <a:r>
-              <a:rPr lang="en-US" dirty="0" smtClean="0">
-                <a:solidFill>
-                  <a:srgbClr val="FF0000"/>
-                </a:solidFill>
-              </a:rPr>
-              <a:t>Pull from remote</a:t>
-            </a:r>
-            <a:endParaRPr lang="en-US" dirty="0">
-              <a:solidFill>
-                <a:srgbClr val="FF0000"/>
-              </a:solidFill>
-            </a:endParaRPr>
+          <a:p>
+            <a:pPr marL="0" indent="0">
+              <a:buNone/>
+            </a:pPr>
+            <a:endParaRPr lang="en-US" dirty="0" smtClean="0"/>
+          </a:p>
+          <a:p>
+            <a:pPr marL="0" indent="0">
+              <a:buNone/>
+            </a:pPr>
+            <a:r>
+              <a:rPr lang="en-US" dirty="0" smtClean="0"/>
+              <a:t>&lt;remote&gt; &lt;branch&gt; typically origin master</a:t>
+            </a:r>
+          </a:p>
+          <a:p>
+            <a:pPr marL="0" indent="0">
+              <a:buNone/>
+            </a:pPr>
+            <a:endParaRPr lang="en-US" dirty="0"/>
+          </a:p>
+          <a:p>
+            <a:pPr marL="0" indent="0">
+              <a:buNone/>
+            </a:pPr>
+            <a:r>
+              <a:rPr lang="en-US" dirty="0" smtClean="0"/>
+              <a:t>These </a:t>
+            </a:r>
+            <a:r>
+              <a:rPr lang="en-US" dirty="0" smtClean="0"/>
+              <a:t>few commands </a:t>
+            </a:r>
+            <a:r>
+              <a:rPr lang="en-US" dirty="0"/>
+              <a:t>get you </a:t>
+            </a:r>
+            <a:r>
+              <a:rPr lang="en-US" dirty="0" smtClean="0"/>
+              <a:t>very far</a:t>
+            </a:r>
+            <a:r>
+              <a:rPr lang="en-US" dirty="0"/>
+              <a:t>!!</a:t>
+            </a:r>
+          </a:p>
+          <a:p>
+            <a:pPr marL="0" indent="0">
+              <a:buNone/>
+            </a:pPr>
+            <a:endParaRPr lang="en-US" dirty="0"/>
           </a:p>
         </p:txBody>
       </p:sp>
@@ -5346,11 +5237,7 @@
             </a:pPr>
             <a:r>
               <a:rPr lang="en-US" dirty="0" smtClean="0"/>
-              <a:t>$ notepad </a:t>
-            </a:r>
-            <a:r>
-              <a:rPr lang="en-US" dirty="0" smtClean="0"/>
-              <a:t>.</a:t>
+              <a:t>$ notepad .</a:t>
             </a:r>
             <a:r>
               <a:rPr lang="en-US" dirty="0" err="1" smtClean="0"/>
@@ -5786,11 +5673,7 @@
           <a:p>
             <a:r>
               <a:rPr lang="en-US" dirty="0" smtClean="0"/>
-              <a:t>Neither Excel files are now tracked</a:t>
-            </a:r>
-            <a:r>
-              <a:rPr lang="en-US" dirty="0" smtClean="0"/>
-              <a:t>:</a:t>
+              <a:t>Neither Excel files are now tracked:</a:t>
             </a:r>
           </a:p>
           <a:p>
@@ -5997,13 +5880,8 @@
             </a:r>
             <a:r>
               <a:rPr lang="en-US" dirty="0" smtClean="0"/>
-              <a:t> remote </a:t>
-            </a:r>
-            <a:r>
-              <a:rPr lang="en-US" dirty="0" smtClean="0"/>
-              <a:t>-v</a:t>
-            </a:r>
-            <a:endParaRPr lang="en-US" dirty="0" smtClean="0"/>
+              <a:t> remote -v</a:t>
+            </a:r>
           </a:p>
           <a:p>
             <a:r>
